--- a/2017/kawasaki.pptx
+++ b/2017/kawasaki.pptx
@@ -104,6 +104,11 @@
       </a:defRPr>
     </a:lvl9pPr>
   </p:defaultTextStyle>
+  <p:extLst>
+    <p:ext uri="{EFAFB233-063F-42B5-8137-9DF3F51BA10A}">
+      <p15:sldGuideLst xmlns:p15="http://schemas.microsoft.com/office/powerpoint/2012/main"/>
+    </p:ext>
+  </p:extLst>
 </p:presentation>
 </file>
 
@@ -238,7 +243,7 @@
           <a:p>
             <a:fld id="{3E43A7BA-EE73-C54D-B150-A94D3D87427D}" type="datetimeFigureOut">
               <a:rPr kumimoji="1" lang="ja-JP" altLang="en-US" smtClean="0"/>
-              <a:t>2017/2/26</a:t>
+              <a:t>2017/3/3</a:t>
             </a:fld>
             <a:endParaRPr kumimoji="1" lang="ja-JP" altLang="en-US"/>
           </a:p>
@@ -435,7 +440,7 @@
           <a:p>
             <a:fld id="{3E43A7BA-EE73-C54D-B150-A94D3D87427D}" type="datetimeFigureOut">
               <a:rPr kumimoji="1" lang="ja-JP" altLang="en-US" smtClean="0"/>
-              <a:t>2017/2/26</a:t>
+              <a:t>2017/3/3</a:t>
             </a:fld>
             <a:endParaRPr kumimoji="1" lang="ja-JP" altLang="en-US"/>
           </a:p>
@@ -642,7 +647,7 @@
           <a:p>
             <a:fld id="{3E43A7BA-EE73-C54D-B150-A94D3D87427D}" type="datetimeFigureOut">
               <a:rPr kumimoji="1" lang="ja-JP" altLang="en-US" smtClean="0"/>
-              <a:t>2017/2/26</a:t>
+              <a:t>2017/3/3</a:t>
             </a:fld>
             <a:endParaRPr kumimoji="1" lang="ja-JP" altLang="en-US"/>
           </a:p>
@@ -839,7 +844,7 @@
           <a:p>
             <a:fld id="{3E43A7BA-EE73-C54D-B150-A94D3D87427D}" type="datetimeFigureOut">
               <a:rPr kumimoji="1" lang="ja-JP" altLang="en-US" smtClean="0"/>
-              <a:t>2017/2/26</a:t>
+              <a:t>2017/3/3</a:t>
             </a:fld>
             <a:endParaRPr kumimoji="1" lang="ja-JP" altLang="en-US"/>
           </a:p>
@@ -1078,7 +1083,7 @@
           <a:p>
             <a:fld id="{3E43A7BA-EE73-C54D-B150-A94D3D87427D}" type="datetimeFigureOut">
               <a:rPr kumimoji="1" lang="ja-JP" altLang="en-US" smtClean="0"/>
-              <a:t>2017/2/26</a:t>
+              <a:t>2017/3/3</a:t>
             </a:fld>
             <a:endParaRPr kumimoji="1" lang="ja-JP" altLang="en-US"/>
           </a:p>
@@ -1369,7 +1374,7 @@
           <a:p>
             <a:fld id="{3E43A7BA-EE73-C54D-B150-A94D3D87427D}" type="datetimeFigureOut">
               <a:rPr kumimoji="1" lang="ja-JP" altLang="en-US" smtClean="0"/>
-              <a:t>2017/2/26</a:t>
+              <a:t>2017/3/3</a:t>
             </a:fld>
             <a:endParaRPr kumimoji="1" lang="ja-JP" altLang="en-US"/>
           </a:p>
@@ -1795,7 +1800,7 @@
           <a:p>
             <a:fld id="{3E43A7BA-EE73-C54D-B150-A94D3D87427D}" type="datetimeFigureOut">
               <a:rPr kumimoji="1" lang="ja-JP" altLang="en-US" smtClean="0"/>
-              <a:t>2017/2/26</a:t>
+              <a:t>2017/3/3</a:t>
             </a:fld>
             <a:endParaRPr kumimoji="1" lang="ja-JP" altLang="en-US"/>
           </a:p>
@@ -1908,7 +1913,7 @@
           <a:p>
             <a:fld id="{3E43A7BA-EE73-C54D-B150-A94D3D87427D}" type="datetimeFigureOut">
               <a:rPr kumimoji="1" lang="ja-JP" altLang="en-US" smtClean="0"/>
-              <a:t>2017/2/26</a:t>
+              <a:t>2017/3/3</a:t>
             </a:fld>
             <a:endParaRPr kumimoji="1" lang="ja-JP" altLang="en-US"/>
           </a:p>
@@ -1998,7 +2003,7 @@
           <a:p>
             <a:fld id="{3E43A7BA-EE73-C54D-B150-A94D3D87427D}" type="datetimeFigureOut">
               <a:rPr kumimoji="1" lang="ja-JP" altLang="en-US" smtClean="0"/>
-              <a:t>2017/2/26</a:t>
+              <a:t>2017/3/3</a:t>
             </a:fld>
             <a:endParaRPr kumimoji="1" lang="ja-JP" altLang="en-US"/>
           </a:p>
@@ -2302,7 +2307,7 @@
           <a:p>
             <a:fld id="{3E43A7BA-EE73-C54D-B150-A94D3D87427D}" type="datetimeFigureOut">
               <a:rPr kumimoji="1" lang="ja-JP" altLang="en-US" smtClean="0"/>
-              <a:t>2017/2/26</a:t>
+              <a:t>2017/3/3</a:t>
             </a:fld>
             <a:endParaRPr kumimoji="1" lang="ja-JP" altLang="en-US"/>
           </a:p>
@@ -2554,7 +2559,7 @@
           <a:p>
             <a:fld id="{3E43A7BA-EE73-C54D-B150-A94D3D87427D}" type="datetimeFigureOut">
               <a:rPr kumimoji="1" lang="ja-JP" altLang="en-US" smtClean="0"/>
-              <a:t>2017/2/26</a:t>
+              <a:t>2017/3/3</a:t>
             </a:fld>
             <a:endParaRPr kumimoji="1" lang="ja-JP" altLang="en-US"/>
           </a:p>
@@ -2794,7 +2799,7 @@
           <a:p>
             <a:fld id="{3E43A7BA-EE73-C54D-B150-A94D3D87427D}" type="datetimeFigureOut">
               <a:rPr kumimoji="1" lang="ja-JP" altLang="en-US" smtClean="0"/>
-              <a:t>2017/2/26</a:t>
+              <a:t>2017/3/3</a:t>
             </a:fld>
             <a:endParaRPr kumimoji="1" lang="ja-JP" altLang="en-US"/>
           </a:p>
@@ -3211,7 +3216,7 @@
         </p:nvSpPr>
         <p:spPr>
           <a:xfrm>
-            <a:off x="930140" y="1588957"/>
+            <a:off x="1065050" y="1773359"/>
             <a:ext cx="10881360" cy="4749056"/>
           </a:xfrm>
         </p:spPr>
@@ -3295,6 +3300,37 @@
               <a:ea typeface="MS PGothic" charset="-128"/>
               <a:cs typeface="MS PGothic" charset="-128"/>
             </a:endParaRPr>
+          </a:p>
+        </p:txBody>
+      </p:sp>
+      <p:sp>
+        <p:nvSpPr>
+          <p:cNvPr id="4" name="テキスト ボックス 3"/>
+          <p:cNvSpPr txBox="1"/>
+          <p:nvPr/>
+        </p:nvSpPr>
+        <p:spPr>
+          <a:xfrm>
+            <a:off x="3597639" y="8226214"/>
+            <a:ext cx="5816183" cy="1200329"/>
+          </a:xfrm>
+          <a:prstGeom prst="rect">
+            <a:avLst/>
+          </a:prstGeom>
+          <a:noFill/>
+        </p:spPr>
+        <p:txBody>
+          <a:bodyPr wrap="square" rtlCol="0">
+            <a:spAutoFit/>
+          </a:bodyPr>
+          <a:lstStyle/>
+          <a:p>
+            <a:pPr algn="ctr"/>
+            <a:r>
+              <a:rPr kumimoji="1" lang="en-US" altLang="ja-JP" sz="7200" dirty="0" smtClean="0"/>
+              <a:t>IODD2017</a:t>
+            </a:r>
+            <a:endParaRPr kumimoji="1" lang="ja-JP" altLang="en-US" sz="7200" dirty="0"/>
           </a:p>
         </p:txBody>
       </p:sp>
